--- a/ppt 16-9/0694.多方祷告.pptx
+++ b/ppt 16-9/0694.多方祷告.pptx
@@ -5,7 +5,7 @@
     <p:sldMasterId id="2147483648" r:id="rId1"/>
   </p:sldMasterIdLst>
   <p:sldIdLst>
-    <p:sldId id="2507" r:id="rId2"/>
+    <p:sldId id="2509" r:id="rId2"/>
   </p:sldIdLst>
   <p:sldSz cx="12192000" cy="6858000"/>
   <p:notesSz cx="6858000" cy="9144000"/>
@@ -129,7 +129,7 @@
           <p:cNvPr id="2" name="标题 1">
             <a:extLst>
               <a:ext uri="{FF2B5EF4-FFF2-40B4-BE49-F238E27FC236}">
-                <a16:creationId xmlns:a16="http://schemas.microsoft.com/office/drawing/2014/main" id="{DCC38113-181D-9FEC-4949-9DFB444A9CB2}"/>
+                <a16:creationId xmlns:a16="http://schemas.microsoft.com/office/drawing/2014/main" id="{4DE66AFF-AC94-FB83-B37B-86FF3454F59F}"/>
               </a:ext>
             </a:extLst>
           </p:cNvPr>
@@ -166,7 +166,7 @@
           <p:cNvPr id="3" name="副标题 2">
             <a:extLst>
               <a:ext uri="{FF2B5EF4-FFF2-40B4-BE49-F238E27FC236}">
-                <a16:creationId xmlns:a16="http://schemas.microsoft.com/office/drawing/2014/main" id="{3391D8DF-7301-BE2B-9D9C-005FEA582AEB}"/>
+                <a16:creationId xmlns:a16="http://schemas.microsoft.com/office/drawing/2014/main" id="{76354747-A868-7BD9-B4EF-CE5F1EFB1399}"/>
               </a:ext>
             </a:extLst>
           </p:cNvPr>
@@ -236,7 +236,7 @@
           <p:cNvPr id="4" name="日期占位符 3">
             <a:extLst>
               <a:ext uri="{FF2B5EF4-FFF2-40B4-BE49-F238E27FC236}">
-                <a16:creationId xmlns:a16="http://schemas.microsoft.com/office/drawing/2014/main" id="{0B1B8B16-1053-AF87-2647-7D0C0D9AE497}"/>
+                <a16:creationId xmlns:a16="http://schemas.microsoft.com/office/drawing/2014/main" id="{F68BE29F-64BF-114D-CAB0-EBE22036EA7A}"/>
               </a:ext>
             </a:extLst>
           </p:cNvPr>
@@ -252,7 +252,7 @@
           <a:bodyPr/>
           <a:lstStyle/>
           <a:p>
-            <a:fld id="{9FC23888-DC0E-4ED8-B4BA-1917875D6F2C}" type="datetimeFigureOut">
+            <a:fld id="{2D7ED125-E23C-4B26-B491-64B1D8BAB0AC}" type="datetimeFigureOut">
               <a:rPr lang="zh-CN" altLang="en-US" smtClean="0"/>
               <a:t>2024/3/10</a:t>
             </a:fld>
@@ -265,7 +265,7 @@
           <p:cNvPr id="5" name="页脚占位符 4">
             <a:extLst>
               <a:ext uri="{FF2B5EF4-FFF2-40B4-BE49-F238E27FC236}">
-                <a16:creationId xmlns:a16="http://schemas.microsoft.com/office/drawing/2014/main" id="{ABB35A89-A2F0-F77D-6901-5E043E1DE526}"/>
+                <a16:creationId xmlns:a16="http://schemas.microsoft.com/office/drawing/2014/main" id="{AFC4E0A6-D22F-5BEE-10BE-847F50F17201}"/>
               </a:ext>
             </a:extLst>
           </p:cNvPr>
@@ -290,7 +290,7 @@
           <p:cNvPr id="6" name="灯片编号占位符 5">
             <a:extLst>
               <a:ext uri="{FF2B5EF4-FFF2-40B4-BE49-F238E27FC236}">
-                <a16:creationId xmlns:a16="http://schemas.microsoft.com/office/drawing/2014/main" id="{D26C6911-3695-8AAF-CA85-73D6CC19FD72}"/>
+                <a16:creationId xmlns:a16="http://schemas.microsoft.com/office/drawing/2014/main" id="{AD2B4614-634B-EAE5-160E-F1F80434ACBC}"/>
               </a:ext>
             </a:extLst>
           </p:cNvPr>
@@ -306,7 +306,7 @@
           <a:bodyPr/>
           <a:lstStyle/>
           <a:p>
-            <a:fld id="{7E4C391F-BD97-4431-8D25-C7B3CA602AF5}" type="slidenum">
+            <a:fld id="{26A1CED6-9CD8-4B81-946F-19936539AA3B}" type="slidenum">
               <a:rPr lang="zh-CN" altLang="en-US" smtClean="0"/>
               <a:t>‹#›</a:t>
             </a:fld>
@@ -317,7 +317,7 @@
     </p:spTree>
     <p:extLst>
       <p:ext uri="{BB962C8B-B14F-4D97-AF65-F5344CB8AC3E}">
-        <p14:creationId xmlns:p14="http://schemas.microsoft.com/office/powerpoint/2010/main" val="3587076270"/>
+        <p14:creationId xmlns:p14="http://schemas.microsoft.com/office/powerpoint/2010/main" val="3898403879"/>
       </p:ext>
     </p:extLst>
   </p:cSld>
@@ -349,7 +349,7 @@
           <p:cNvPr id="2" name="标题 1">
             <a:extLst>
               <a:ext uri="{FF2B5EF4-FFF2-40B4-BE49-F238E27FC236}">
-                <a16:creationId xmlns:a16="http://schemas.microsoft.com/office/drawing/2014/main" id="{AC863360-C976-CD84-56C7-D757421A8B13}"/>
+                <a16:creationId xmlns:a16="http://schemas.microsoft.com/office/drawing/2014/main" id="{94F04652-59BF-E11A-1AA5-D472B3703D98}"/>
               </a:ext>
             </a:extLst>
           </p:cNvPr>
@@ -377,7 +377,7 @@
           <p:cNvPr id="3" name="竖排文字占位符 2">
             <a:extLst>
               <a:ext uri="{FF2B5EF4-FFF2-40B4-BE49-F238E27FC236}">
-                <a16:creationId xmlns:a16="http://schemas.microsoft.com/office/drawing/2014/main" id="{522135A6-E136-F92B-9335-C89714A92A9A}"/>
+                <a16:creationId xmlns:a16="http://schemas.microsoft.com/office/drawing/2014/main" id="{8468DFFB-47E0-FFEA-42C7-8AD1069C20B7}"/>
               </a:ext>
             </a:extLst>
           </p:cNvPr>
@@ -434,7 +434,7 @@
           <p:cNvPr id="4" name="日期占位符 3">
             <a:extLst>
               <a:ext uri="{FF2B5EF4-FFF2-40B4-BE49-F238E27FC236}">
-                <a16:creationId xmlns:a16="http://schemas.microsoft.com/office/drawing/2014/main" id="{04BA77E7-1825-F541-3B9D-1A1552490A9A}"/>
+                <a16:creationId xmlns:a16="http://schemas.microsoft.com/office/drawing/2014/main" id="{74A3FC7D-6411-F436-F271-53F7567796EC}"/>
               </a:ext>
             </a:extLst>
           </p:cNvPr>
@@ -450,7 +450,7 @@
           <a:bodyPr/>
           <a:lstStyle/>
           <a:p>
-            <a:fld id="{9FC23888-DC0E-4ED8-B4BA-1917875D6F2C}" type="datetimeFigureOut">
+            <a:fld id="{2D7ED125-E23C-4B26-B491-64B1D8BAB0AC}" type="datetimeFigureOut">
               <a:rPr lang="zh-CN" altLang="en-US" smtClean="0"/>
               <a:t>2024/3/10</a:t>
             </a:fld>
@@ -463,7 +463,7 @@
           <p:cNvPr id="5" name="页脚占位符 4">
             <a:extLst>
               <a:ext uri="{FF2B5EF4-FFF2-40B4-BE49-F238E27FC236}">
-                <a16:creationId xmlns:a16="http://schemas.microsoft.com/office/drawing/2014/main" id="{2C90E52C-CB41-BDFF-34C1-6D1F008CA65C}"/>
+                <a16:creationId xmlns:a16="http://schemas.microsoft.com/office/drawing/2014/main" id="{65C1D74C-2D0E-9BF6-6BC6-12D8E493B117}"/>
               </a:ext>
             </a:extLst>
           </p:cNvPr>
@@ -488,7 +488,7 @@
           <p:cNvPr id="6" name="灯片编号占位符 5">
             <a:extLst>
               <a:ext uri="{FF2B5EF4-FFF2-40B4-BE49-F238E27FC236}">
-                <a16:creationId xmlns:a16="http://schemas.microsoft.com/office/drawing/2014/main" id="{C653B057-6258-1C8F-DC03-F890ED00CEBE}"/>
+                <a16:creationId xmlns:a16="http://schemas.microsoft.com/office/drawing/2014/main" id="{4FD0F4B2-22F7-D54B-9239-9CCE87D2DDAA}"/>
               </a:ext>
             </a:extLst>
           </p:cNvPr>
@@ -504,7 +504,7 @@
           <a:bodyPr/>
           <a:lstStyle/>
           <a:p>
-            <a:fld id="{7E4C391F-BD97-4431-8D25-C7B3CA602AF5}" type="slidenum">
+            <a:fld id="{26A1CED6-9CD8-4B81-946F-19936539AA3B}" type="slidenum">
               <a:rPr lang="zh-CN" altLang="en-US" smtClean="0"/>
               <a:t>‹#›</a:t>
             </a:fld>
@@ -515,7 +515,7 @@
     </p:spTree>
     <p:extLst>
       <p:ext uri="{BB962C8B-B14F-4D97-AF65-F5344CB8AC3E}">
-        <p14:creationId xmlns:p14="http://schemas.microsoft.com/office/powerpoint/2010/main" val="1560970691"/>
+        <p14:creationId xmlns:p14="http://schemas.microsoft.com/office/powerpoint/2010/main" val="3600983807"/>
       </p:ext>
     </p:extLst>
   </p:cSld>
@@ -547,7 +547,7 @@
           <p:cNvPr id="2" name="竖排标题 1">
             <a:extLst>
               <a:ext uri="{FF2B5EF4-FFF2-40B4-BE49-F238E27FC236}">
-                <a16:creationId xmlns:a16="http://schemas.microsoft.com/office/drawing/2014/main" id="{9011B90D-CC04-65A4-FDF2-B8A4486D403E}"/>
+                <a16:creationId xmlns:a16="http://schemas.microsoft.com/office/drawing/2014/main" id="{EAF7410B-6D93-6060-4C69-BEA31849EF85}"/>
               </a:ext>
             </a:extLst>
           </p:cNvPr>
@@ -580,7 +580,7 @@
           <p:cNvPr id="3" name="竖排文字占位符 2">
             <a:extLst>
               <a:ext uri="{FF2B5EF4-FFF2-40B4-BE49-F238E27FC236}">
-                <a16:creationId xmlns:a16="http://schemas.microsoft.com/office/drawing/2014/main" id="{A6EB5BBC-0E7F-7836-279D-D4E388FD767A}"/>
+                <a16:creationId xmlns:a16="http://schemas.microsoft.com/office/drawing/2014/main" id="{5605B9BF-8892-D82B-1DBB-CF42C140D7BE}"/>
               </a:ext>
             </a:extLst>
           </p:cNvPr>
@@ -642,7 +642,7 @@
           <p:cNvPr id="4" name="日期占位符 3">
             <a:extLst>
               <a:ext uri="{FF2B5EF4-FFF2-40B4-BE49-F238E27FC236}">
-                <a16:creationId xmlns:a16="http://schemas.microsoft.com/office/drawing/2014/main" id="{4A09F485-2179-00B3-F4BC-C68C2AF090D3}"/>
+                <a16:creationId xmlns:a16="http://schemas.microsoft.com/office/drawing/2014/main" id="{C57BF037-558B-5DB4-556A-DBC60F54FAE6}"/>
               </a:ext>
             </a:extLst>
           </p:cNvPr>
@@ -658,7 +658,7 @@
           <a:bodyPr/>
           <a:lstStyle/>
           <a:p>
-            <a:fld id="{9FC23888-DC0E-4ED8-B4BA-1917875D6F2C}" type="datetimeFigureOut">
+            <a:fld id="{2D7ED125-E23C-4B26-B491-64B1D8BAB0AC}" type="datetimeFigureOut">
               <a:rPr lang="zh-CN" altLang="en-US" smtClean="0"/>
               <a:t>2024/3/10</a:t>
             </a:fld>
@@ -671,7 +671,7 @@
           <p:cNvPr id="5" name="页脚占位符 4">
             <a:extLst>
               <a:ext uri="{FF2B5EF4-FFF2-40B4-BE49-F238E27FC236}">
-                <a16:creationId xmlns:a16="http://schemas.microsoft.com/office/drawing/2014/main" id="{632C43DF-2DC3-3991-1D68-D03EC544022C}"/>
+                <a16:creationId xmlns:a16="http://schemas.microsoft.com/office/drawing/2014/main" id="{4110CA15-A9D8-4EFF-C422-ECF50525929A}"/>
               </a:ext>
             </a:extLst>
           </p:cNvPr>
@@ -696,7 +696,7 @@
           <p:cNvPr id="6" name="灯片编号占位符 5">
             <a:extLst>
               <a:ext uri="{FF2B5EF4-FFF2-40B4-BE49-F238E27FC236}">
-                <a16:creationId xmlns:a16="http://schemas.microsoft.com/office/drawing/2014/main" id="{33254FCF-9BE5-5939-9B73-1194CADE4573}"/>
+                <a16:creationId xmlns:a16="http://schemas.microsoft.com/office/drawing/2014/main" id="{753037BA-2445-12E8-0C3D-9F80D799B8B2}"/>
               </a:ext>
             </a:extLst>
           </p:cNvPr>
@@ -712,7 +712,7 @@
           <a:bodyPr/>
           <a:lstStyle/>
           <a:p>
-            <a:fld id="{7E4C391F-BD97-4431-8D25-C7B3CA602AF5}" type="slidenum">
+            <a:fld id="{26A1CED6-9CD8-4B81-946F-19936539AA3B}" type="slidenum">
               <a:rPr lang="zh-CN" altLang="en-US" smtClean="0"/>
               <a:t>‹#›</a:t>
             </a:fld>
@@ -723,7 +723,7 @@
     </p:spTree>
     <p:extLst>
       <p:ext uri="{BB962C8B-B14F-4D97-AF65-F5344CB8AC3E}">
-        <p14:creationId xmlns:p14="http://schemas.microsoft.com/office/powerpoint/2010/main" val="654016059"/>
+        <p14:creationId xmlns:p14="http://schemas.microsoft.com/office/powerpoint/2010/main" val="2620594737"/>
       </p:ext>
     </p:extLst>
   </p:cSld>
@@ -755,7 +755,7 @@
           <p:cNvPr id="2" name="标题 1">
             <a:extLst>
               <a:ext uri="{FF2B5EF4-FFF2-40B4-BE49-F238E27FC236}">
-                <a16:creationId xmlns:a16="http://schemas.microsoft.com/office/drawing/2014/main" id="{212A7710-6918-82E8-3589-D14A5B9CB264}"/>
+                <a16:creationId xmlns:a16="http://schemas.microsoft.com/office/drawing/2014/main" id="{2EEC7554-E066-3DDA-BA3F-08BBA522E072}"/>
               </a:ext>
             </a:extLst>
           </p:cNvPr>
@@ -783,7 +783,7 @@
           <p:cNvPr id="3" name="内容占位符 2">
             <a:extLst>
               <a:ext uri="{FF2B5EF4-FFF2-40B4-BE49-F238E27FC236}">
-                <a16:creationId xmlns:a16="http://schemas.microsoft.com/office/drawing/2014/main" id="{3CBC67F8-7120-C996-70D4-C38DB9F83851}"/>
+                <a16:creationId xmlns:a16="http://schemas.microsoft.com/office/drawing/2014/main" id="{DC1EF434-29A3-0DEC-6C9D-7AC9715B4FE2}"/>
               </a:ext>
             </a:extLst>
           </p:cNvPr>
@@ -840,7 +840,7 @@
           <p:cNvPr id="4" name="日期占位符 3">
             <a:extLst>
               <a:ext uri="{FF2B5EF4-FFF2-40B4-BE49-F238E27FC236}">
-                <a16:creationId xmlns:a16="http://schemas.microsoft.com/office/drawing/2014/main" id="{62CD9D3D-1093-AA58-6816-C2BC1D985966}"/>
+                <a16:creationId xmlns:a16="http://schemas.microsoft.com/office/drawing/2014/main" id="{E4864DBE-9EE0-9CF8-0700-F67F05AA33CC}"/>
               </a:ext>
             </a:extLst>
           </p:cNvPr>
@@ -856,7 +856,7 @@
           <a:bodyPr/>
           <a:lstStyle/>
           <a:p>
-            <a:fld id="{9FC23888-DC0E-4ED8-B4BA-1917875D6F2C}" type="datetimeFigureOut">
+            <a:fld id="{2D7ED125-E23C-4B26-B491-64B1D8BAB0AC}" type="datetimeFigureOut">
               <a:rPr lang="zh-CN" altLang="en-US" smtClean="0"/>
               <a:t>2024/3/10</a:t>
             </a:fld>
@@ -869,7 +869,7 @@
           <p:cNvPr id="5" name="页脚占位符 4">
             <a:extLst>
               <a:ext uri="{FF2B5EF4-FFF2-40B4-BE49-F238E27FC236}">
-                <a16:creationId xmlns:a16="http://schemas.microsoft.com/office/drawing/2014/main" id="{76DB68B5-14EB-AE65-06B1-425E27E796F1}"/>
+                <a16:creationId xmlns:a16="http://schemas.microsoft.com/office/drawing/2014/main" id="{01C99605-9A26-BA4F-5B81-910FC8AB033A}"/>
               </a:ext>
             </a:extLst>
           </p:cNvPr>
@@ -894,7 +894,7 @@
           <p:cNvPr id="6" name="灯片编号占位符 5">
             <a:extLst>
               <a:ext uri="{FF2B5EF4-FFF2-40B4-BE49-F238E27FC236}">
-                <a16:creationId xmlns:a16="http://schemas.microsoft.com/office/drawing/2014/main" id="{3F12969E-C7B1-8B00-8A05-D082EC5ECEBB}"/>
+                <a16:creationId xmlns:a16="http://schemas.microsoft.com/office/drawing/2014/main" id="{9979EAFB-3E06-2055-F4C3-F5A61D1C7E0D}"/>
               </a:ext>
             </a:extLst>
           </p:cNvPr>
@@ -910,7 +910,7 @@
           <a:bodyPr/>
           <a:lstStyle/>
           <a:p>
-            <a:fld id="{7E4C391F-BD97-4431-8D25-C7B3CA602AF5}" type="slidenum">
+            <a:fld id="{26A1CED6-9CD8-4B81-946F-19936539AA3B}" type="slidenum">
               <a:rPr lang="zh-CN" altLang="en-US" smtClean="0"/>
               <a:t>‹#›</a:t>
             </a:fld>
@@ -921,7 +921,7 @@
     </p:spTree>
     <p:extLst>
       <p:ext uri="{BB962C8B-B14F-4D97-AF65-F5344CB8AC3E}">
-        <p14:creationId xmlns:p14="http://schemas.microsoft.com/office/powerpoint/2010/main" val="71869567"/>
+        <p14:creationId xmlns:p14="http://schemas.microsoft.com/office/powerpoint/2010/main" val="377276244"/>
       </p:ext>
     </p:extLst>
   </p:cSld>
@@ -953,7 +953,7 @@
           <p:cNvPr id="2" name="标题 1">
             <a:extLst>
               <a:ext uri="{FF2B5EF4-FFF2-40B4-BE49-F238E27FC236}">
-                <a16:creationId xmlns:a16="http://schemas.microsoft.com/office/drawing/2014/main" id="{61AC16DC-CA4B-CBDD-1A78-205384A8C6C6}"/>
+                <a16:creationId xmlns:a16="http://schemas.microsoft.com/office/drawing/2014/main" id="{57B6EE1E-AE69-0895-9B33-0E6E71D66B7D}"/>
               </a:ext>
             </a:extLst>
           </p:cNvPr>
@@ -990,7 +990,7 @@
           <p:cNvPr id="3" name="文本占位符 2">
             <a:extLst>
               <a:ext uri="{FF2B5EF4-FFF2-40B4-BE49-F238E27FC236}">
-                <a16:creationId xmlns:a16="http://schemas.microsoft.com/office/drawing/2014/main" id="{324A7B96-ECDA-6CA8-9638-44F4D9DEB6F7}"/>
+                <a16:creationId xmlns:a16="http://schemas.microsoft.com/office/drawing/2014/main" id="{42DFD2E6-98BF-D4CD-DDE0-37F65CDB46C2}"/>
               </a:ext>
             </a:extLst>
           </p:cNvPr>
@@ -1115,7 +1115,7 @@
           <p:cNvPr id="4" name="日期占位符 3">
             <a:extLst>
               <a:ext uri="{FF2B5EF4-FFF2-40B4-BE49-F238E27FC236}">
-                <a16:creationId xmlns:a16="http://schemas.microsoft.com/office/drawing/2014/main" id="{8875154A-E724-358E-CE4F-DCA2C22768F7}"/>
+                <a16:creationId xmlns:a16="http://schemas.microsoft.com/office/drawing/2014/main" id="{59029A04-BA78-6AF9-EDBB-3CBBD49C9267}"/>
               </a:ext>
             </a:extLst>
           </p:cNvPr>
@@ -1131,7 +1131,7 @@
           <a:bodyPr/>
           <a:lstStyle/>
           <a:p>
-            <a:fld id="{9FC23888-DC0E-4ED8-B4BA-1917875D6F2C}" type="datetimeFigureOut">
+            <a:fld id="{2D7ED125-E23C-4B26-B491-64B1D8BAB0AC}" type="datetimeFigureOut">
               <a:rPr lang="zh-CN" altLang="en-US" smtClean="0"/>
               <a:t>2024/3/10</a:t>
             </a:fld>
@@ -1144,7 +1144,7 @@
           <p:cNvPr id="5" name="页脚占位符 4">
             <a:extLst>
               <a:ext uri="{FF2B5EF4-FFF2-40B4-BE49-F238E27FC236}">
-                <a16:creationId xmlns:a16="http://schemas.microsoft.com/office/drawing/2014/main" id="{F0B50805-8808-D8AD-F6C1-D2E2771EA6C2}"/>
+                <a16:creationId xmlns:a16="http://schemas.microsoft.com/office/drawing/2014/main" id="{44A7ACBF-A2CE-7EC1-36C7-398BA808D329}"/>
               </a:ext>
             </a:extLst>
           </p:cNvPr>
@@ -1169,7 +1169,7 @@
           <p:cNvPr id="6" name="灯片编号占位符 5">
             <a:extLst>
               <a:ext uri="{FF2B5EF4-FFF2-40B4-BE49-F238E27FC236}">
-                <a16:creationId xmlns:a16="http://schemas.microsoft.com/office/drawing/2014/main" id="{160C240B-BA2F-DCED-DD5E-BCA399AA7944}"/>
+                <a16:creationId xmlns:a16="http://schemas.microsoft.com/office/drawing/2014/main" id="{1CFCFA52-EDBB-D256-4EEC-DCAC7FA30048}"/>
               </a:ext>
             </a:extLst>
           </p:cNvPr>
@@ -1185,7 +1185,7 @@
           <a:bodyPr/>
           <a:lstStyle/>
           <a:p>
-            <a:fld id="{7E4C391F-BD97-4431-8D25-C7B3CA602AF5}" type="slidenum">
+            <a:fld id="{26A1CED6-9CD8-4B81-946F-19936539AA3B}" type="slidenum">
               <a:rPr lang="zh-CN" altLang="en-US" smtClean="0"/>
               <a:t>‹#›</a:t>
             </a:fld>
@@ -1196,7 +1196,7 @@
     </p:spTree>
     <p:extLst>
       <p:ext uri="{BB962C8B-B14F-4D97-AF65-F5344CB8AC3E}">
-        <p14:creationId xmlns:p14="http://schemas.microsoft.com/office/powerpoint/2010/main" val="1981656071"/>
+        <p14:creationId xmlns:p14="http://schemas.microsoft.com/office/powerpoint/2010/main" val="2526151128"/>
       </p:ext>
     </p:extLst>
   </p:cSld>
@@ -1228,7 +1228,7 @@
           <p:cNvPr id="2" name="标题 1">
             <a:extLst>
               <a:ext uri="{FF2B5EF4-FFF2-40B4-BE49-F238E27FC236}">
-                <a16:creationId xmlns:a16="http://schemas.microsoft.com/office/drawing/2014/main" id="{79665665-9F42-BF36-912B-4F84556AF211}"/>
+                <a16:creationId xmlns:a16="http://schemas.microsoft.com/office/drawing/2014/main" id="{1FF8397B-8377-698B-B695-4813140E22D1}"/>
               </a:ext>
             </a:extLst>
           </p:cNvPr>
@@ -1256,7 +1256,7 @@
           <p:cNvPr id="3" name="内容占位符 2">
             <a:extLst>
               <a:ext uri="{FF2B5EF4-FFF2-40B4-BE49-F238E27FC236}">
-                <a16:creationId xmlns:a16="http://schemas.microsoft.com/office/drawing/2014/main" id="{97A7A8D7-2F4A-DC40-D8EF-79D2EADD841D}"/>
+                <a16:creationId xmlns:a16="http://schemas.microsoft.com/office/drawing/2014/main" id="{57C1E5F3-E604-E54C-94FD-24ADAFDAFA85}"/>
               </a:ext>
             </a:extLst>
           </p:cNvPr>
@@ -1318,7 +1318,7 @@
           <p:cNvPr id="4" name="内容占位符 3">
             <a:extLst>
               <a:ext uri="{FF2B5EF4-FFF2-40B4-BE49-F238E27FC236}">
-                <a16:creationId xmlns:a16="http://schemas.microsoft.com/office/drawing/2014/main" id="{F5ACEC43-75BC-51AE-F921-FB6E826DB92F}"/>
+                <a16:creationId xmlns:a16="http://schemas.microsoft.com/office/drawing/2014/main" id="{8CF9ECE7-CA09-17F7-A85A-5269D570CDDB}"/>
               </a:ext>
             </a:extLst>
           </p:cNvPr>
@@ -1380,7 +1380,7 @@
           <p:cNvPr id="5" name="日期占位符 4">
             <a:extLst>
               <a:ext uri="{FF2B5EF4-FFF2-40B4-BE49-F238E27FC236}">
-                <a16:creationId xmlns:a16="http://schemas.microsoft.com/office/drawing/2014/main" id="{9420360B-E6BF-FBDD-59F0-DC7B5E9AFD68}"/>
+                <a16:creationId xmlns:a16="http://schemas.microsoft.com/office/drawing/2014/main" id="{29EB94BC-AF91-A424-77B0-15A70776C08D}"/>
               </a:ext>
             </a:extLst>
           </p:cNvPr>
@@ -1396,7 +1396,7 @@
           <a:bodyPr/>
           <a:lstStyle/>
           <a:p>
-            <a:fld id="{9FC23888-DC0E-4ED8-B4BA-1917875D6F2C}" type="datetimeFigureOut">
+            <a:fld id="{2D7ED125-E23C-4B26-B491-64B1D8BAB0AC}" type="datetimeFigureOut">
               <a:rPr lang="zh-CN" altLang="en-US" smtClean="0"/>
               <a:t>2024/3/10</a:t>
             </a:fld>
@@ -1409,7 +1409,7 @@
           <p:cNvPr id="6" name="页脚占位符 5">
             <a:extLst>
               <a:ext uri="{FF2B5EF4-FFF2-40B4-BE49-F238E27FC236}">
-                <a16:creationId xmlns:a16="http://schemas.microsoft.com/office/drawing/2014/main" id="{09D2EAE4-1D43-B4EA-A764-BBBDE916D9DE}"/>
+                <a16:creationId xmlns:a16="http://schemas.microsoft.com/office/drawing/2014/main" id="{ABD05041-9077-EA09-4131-2686B17D6DC0}"/>
               </a:ext>
             </a:extLst>
           </p:cNvPr>
@@ -1434,7 +1434,7 @@
           <p:cNvPr id="7" name="灯片编号占位符 6">
             <a:extLst>
               <a:ext uri="{FF2B5EF4-FFF2-40B4-BE49-F238E27FC236}">
-                <a16:creationId xmlns:a16="http://schemas.microsoft.com/office/drawing/2014/main" id="{007AD89E-3F87-DBB9-3641-0C8FB954B886}"/>
+                <a16:creationId xmlns:a16="http://schemas.microsoft.com/office/drawing/2014/main" id="{917B1107-A1B0-9FD7-9044-000A2FF9E625}"/>
               </a:ext>
             </a:extLst>
           </p:cNvPr>
@@ -1450,7 +1450,7 @@
           <a:bodyPr/>
           <a:lstStyle/>
           <a:p>
-            <a:fld id="{7E4C391F-BD97-4431-8D25-C7B3CA602AF5}" type="slidenum">
+            <a:fld id="{26A1CED6-9CD8-4B81-946F-19936539AA3B}" type="slidenum">
               <a:rPr lang="zh-CN" altLang="en-US" smtClean="0"/>
               <a:t>‹#›</a:t>
             </a:fld>
@@ -1461,7 +1461,7 @@
     </p:spTree>
     <p:extLst>
       <p:ext uri="{BB962C8B-B14F-4D97-AF65-F5344CB8AC3E}">
-        <p14:creationId xmlns:p14="http://schemas.microsoft.com/office/powerpoint/2010/main" val="1896619402"/>
+        <p14:creationId xmlns:p14="http://schemas.microsoft.com/office/powerpoint/2010/main" val="2813931029"/>
       </p:ext>
     </p:extLst>
   </p:cSld>
@@ -1493,7 +1493,7 @@
           <p:cNvPr id="2" name="标题 1">
             <a:extLst>
               <a:ext uri="{FF2B5EF4-FFF2-40B4-BE49-F238E27FC236}">
-                <a16:creationId xmlns:a16="http://schemas.microsoft.com/office/drawing/2014/main" id="{8303A9C6-6EB7-7853-41BC-73D2A9438260}"/>
+                <a16:creationId xmlns:a16="http://schemas.microsoft.com/office/drawing/2014/main" id="{BB3DA029-E152-466F-12B8-3EADD314AEFD}"/>
               </a:ext>
             </a:extLst>
           </p:cNvPr>
@@ -1526,7 +1526,7 @@
           <p:cNvPr id="3" name="文本占位符 2">
             <a:extLst>
               <a:ext uri="{FF2B5EF4-FFF2-40B4-BE49-F238E27FC236}">
-                <a16:creationId xmlns:a16="http://schemas.microsoft.com/office/drawing/2014/main" id="{4748A107-B23B-C815-408F-C8B78C966F04}"/>
+                <a16:creationId xmlns:a16="http://schemas.microsoft.com/office/drawing/2014/main" id="{8C01DACC-5E19-FEE4-2670-940EFA767D8E}"/>
               </a:ext>
             </a:extLst>
           </p:cNvPr>
@@ -1597,7 +1597,7 @@
           <p:cNvPr id="4" name="内容占位符 3">
             <a:extLst>
               <a:ext uri="{FF2B5EF4-FFF2-40B4-BE49-F238E27FC236}">
-                <a16:creationId xmlns:a16="http://schemas.microsoft.com/office/drawing/2014/main" id="{87948D8A-3D47-933B-CD6E-A0CA3CF29622}"/>
+                <a16:creationId xmlns:a16="http://schemas.microsoft.com/office/drawing/2014/main" id="{F3AE62DD-3070-7AFA-1401-FE7D288F41ED}"/>
               </a:ext>
             </a:extLst>
           </p:cNvPr>
@@ -1659,7 +1659,7 @@
           <p:cNvPr id="5" name="文本占位符 4">
             <a:extLst>
               <a:ext uri="{FF2B5EF4-FFF2-40B4-BE49-F238E27FC236}">
-                <a16:creationId xmlns:a16="http://schemas.microsoft.com/office/drawing/2014/main" id="{0B653FF5-2BBD-FD04-F0F8-0DDA6455E387}"/>
+                <a16:creationId xmlns:a16="http://schemas.microsoft.com/office/drawing/2014/main" id="{B7D69CDD-C160-505E-5AAB-9BBD48269412}"/>
               </a:ext>
             </a:extLst>
           </p:cNvPr>
@@ -1730,7 +1730,7 @@
           <p:cNvPr id="6" name="内容占位符 5">
             <a:extLst>
               <a:ext uri="{FF2B5EF4-FFF2-40B4-BE49-F238E27FC236}">
-                <a16:creationId xmlns:a16="http://schemas.microsoft.com/office/drawing/2014/main" id="{611DC796-4D81-94D1-E9A2-6B4753CFC37D}"/>
+                <a16:creationId xmlns:a16="http://schemas.microsoft.com/office/drawing/2014/main" id="{D6F25E1F-4D03-003D-BF3E-6D0781C228F9}"/>
               </a:ext>
             </a:extLst>
           </p:cNvPr>
@@ -1792,7 +1792,7 @@
           <p:cNvPr id="7" name="日期占位符 6">
             <a:extLst>
               <a:ext uri="{FF2B5EF4-FFF2-40B4-BE49-F238E27FC236}">
-                <a16:creationId xmlns:a16="http://schemas.microsoft.com/office/drawing/2014/main" id="{91810C07-1B66-D897-6829-1F0CC8F9E13E}"/>
+                <a16:creationId xmlns:a16="http://schemas.microsoft.com/office/drawing/2014/main" id="{909A6637-2C5D-5177-85E2-F955059FECAE}"/>
               </a:ext>
             </a:extLst>
           </p:cNvPr>
@@ -1808,7 +1808,7 @@
           <a:bodyPr/>
           <a:lstStyle/>
           <a:p>
-            <a:fld id="{9FC23888-DC0E-4ED8-B4BA-1917875D6F2C}" type="datetimeFigureOut">
+            <a:fld id="{2D7ED125-E23C-4B26-B491-64B1D8BAB0AC}" type="datetimeFigureOut">
               <a:rPr lang="zh-CN" altLang="en-US" smtClean="0"/>
               <a:t>2024/3/10</a:t>
             </a:fld>
@@ -1821,7 +1821,7 @@
           <p:cNvPr id="8" name="页脚占位符 7">
             <a:extLst>
               <a:ext uri="{FF2B5EF4-FFF2-40B4-BE49-F238E27FC236}">
-                <a16:creationId xmlns:a16="http://schemas.microsoft.com/office/drawing/2014/main" id="{4101D5BA-A398-7EC6-CB44-55E066292858}"/>
+                <a16:creationId xmlns:a16="http://schemas.microsoft.com/office/drawing/2014/main" id="{F41F97F5-D9F6-AE89-6BC3-CED408865253}"/>
               </a:ext>
             </a:extLst>
           </p:cNvPr>
@@ -1846,7 +1846,7 @@
           <p:cNvPr id="9" name="灯片编号占位符 8">
             <a:extLst>
               <a:ext uri="{FF2B5EF4-FFF2-40B4-BE49-F238E27FC236}">
-                <a16:creationId xmlns:a16="http://schemas.microsoft.com/office/drawing/2014/main" id="{00DF2884-E80C-83F7-17BC-2F434E8E43BC}"/>
+                <a16:creationId xmlns:a16="http://schemas.microsoft.com/office/drawing/2014/main" id="{4740C08F-B8AF-5409-F31D-E1C90C1800E6}"/>
               </a:ext>
             </a:extLst>
           </p:cNvPr>
@@ -1862,7 +1862,7 @@
           <a:bodyPr/>
           <a:lstStyle/>
           <a:p>
-            <a:fld id="{7E4C391F-BD97-4431-8D25-C7B3CA602AF5}" type="slidenum">
+            <a:fld id="{26A1CED6-9CD8-4B81-946F-19936539AA3B}" type="slidenum">
               <a:rPr lang="zh-CN" altLang="en-US" smtClean="0"/>
               <a:t>‹#›</a:t>
             </a:fld>
@@ -1873,7 +1873,7 @@
     </p:spTree>
     <p:extLst>
       <p:ext uri="{BB962C8B-B14F-4D97-AF65-F5344CB8AC3E}">
-        <p14:creationId xmlns:p14="http://schemas.microsoft.com/office/powerpoint/2010/main" val="4041010938"/>
+        <p14:creationId xmlns:p14="http://schemas.microsoft.com/office/powerpoint/2010/main" val="1380482188"/>
       </p:ext>
     </p:extLst>
   </p:cSld>
@@ -1905,7 +1905,7 @@
           <p:cNvPr id="2" name="标题 1">
             <a:extLst>
               <a:ext uri="{FF2B5EF4-FFF2-40B4-BE49-F238E27FC236}">
-                <a16:creationId xmlns:a16="http://schemas.microsoft.com/office/drawing/2014/main" id="{56A58E23-E363-74D0-F2FE-40A8DCB3D951}"/>
+                <a16:creationId xmlns:a16="http://schemas.microsoft.com/office/drawing/2014/main" id="{5AF5C494-0892-ACFE-188F-B6EF14709541}"/>
               </a:ext>
             </a:extLst>
           </p:cNvPr>
@@ -1933,7 +1933,7 @@
           <p:cNvPr id="3" name="日期占位符 2">
             <a:extLst>
               <a:ext uri="{FF2B5EF4-FFF2-40B4-BE49-F238E27FC236}">
-                <a16:creationId xmlns:a16="http://schemas.microsoft.com/office/drawing/2014/main" id="{4AA26DA2-2DD8-ECA7-3417-51A823534684}"/>
+                <a16:creationId xmlns:a16="http://schemas.microsoft.com/office/drawing/2014/main" id="{75712CC0-C3FE-3D12-A448-67F63F4A08EF}"/>
               </a:ext>
             </a:extLst>
           </p:cNvPr>
@@ -1949,7 +1949,7 @@
           <a:bodyPr/>
           <a:lstStyle/>
           <a:p>
-            <a:fld id="{9FC23888-DC0E-4ED8-B4BA-1917875D6F2C}" type="datetimeFigureOut">
+            <a:fld id="{2D7ED125-E23C-4B26-B491-64B1D8BAB0AC}" type="datetimeFigureOut">
               <a:rPr lang="zh-CN" altLang="en-US" smtClean="0"/>
               <a:t>2024/3/10</a:t>
             </a:fld>
@@ -1962,7 +1962,7 @@
           <p:cNvPr id="4" name="页脚占位符 3">
             <a:extLst>
               <a:ext uri="{FF2B5EF4-FFF2-40B4-BE49-F238E27FC236}">
-                <a16:creationId xmlns:a16="http://schemas.microsoft.com/office/drawing/2014/main" id="{B690E8BF-A029-0005-A39F-253FF481E9DC}"/>
+                <a16:creationId xmlns:a16="http://schemas.microsoft.com/office/drawing/2014/main" id="{41F0A8E0-0BED-BA62-EEFD-2ED1B07815F2}"/>
               </a:ext>
             </a:extLst>
           </p:cNvPr>
@@ -1987,7 +1987,7 @@
           <p:cNvPr id="5" name="灯片编号占位符 4">
             <a:extLst>
               <a:ext uri="{FF2B5EF4-FFF2-40B4-BE49-F238E27FC236}">
-                <a16:creationId xmlns:a16="http://schemas.microsoft.com/office/drawing/2014/main" id="{77082465-7B7F-1824-3A44-53BF3C979B1F}"/>
+                <a16:creationId xmlns:a16="http://schemas.microsoft.com/office/drawing/2014/main" id="{F3CC06FA-254C-49C1-7C4F-356F50FB1FE1}"/>
               </a:ext>
             </a:extLst>
           </p:cNvPr>
@@ -2003,7 +2003,7 @@
           <a:bodyPr/>
           <a:lstStyle/>
           <a:p>
-            <a:fld id="{7E4C391F-BD97-4431-8D25-C7B3CA602AF5}" type="slidenum">
+            <a:fld id="{26A1CED6-9CD8-4B81-946F-19936539AA3B}" type="slidenum">
               <a:rPr lang="zh-CN" altLang="en-US" smtClean="0"/>
               <a:t>‹#›</a:t>
             </a:fld>
@@ -2014,7 +2014,7 @@
     </p:spTree>
     <p:extLst>
       <p:ext uri="{BB962C8B-B14F-4D97-AF65-F5344CB8AC3E}">
-        <p14:creationId xmlns:p14="http://schemas.microsoft.com/office/powerpoint/2010/main" val="4197901726"/>
+        <p14:creationId xmlns:p14="http://schemas.microsoft.com/office/powerpoint/2010/main" val="3330613670"/>
       </p:ext>
     </p:extLst>
   </p:cSld>
@@ -2046,7 +2046,7 @@
           <p:cNvPr id="2" name="日期占位符 1">
             <a:extLst>
               <a:ext uri="{FF2B5EF4-FFF2-40B4-BE49-F238E27FC236}">
-                <a16:creationId xmlns:a16="http://schemas.microsoft.com/office/drawing/2014/main" id="{602DF1A4-5CCC-D2AC-8B4C-32DFE19267FD}"/>
+                <a16:creationId xmlns:a16="http://schemas.microsoft.com/office/drawing/2014/main" id="{EC4601CE-3CFC-1A6E-0664-D116997157AD}"/>
               </a:ext>
             </a:extLst>
           </p:cNvPr>
@@ -2062,7 +2062,7 @@
           <a:bodyPr/>
           <a:lstStyle/>
           <a:p>
-            <a:fld id="{9FC23888-DC0E-4ED8-B4BA-1917875D6F2C}" type="datetimeFigureOut">
+            <a:fld id="{2D7ED125-E23C-4B26-B491-64B1D8BAB0AC}" type="datetimeFigureOut">
               <a:rPr lang="zh-CN" altLang="en-US" smtClean="0"/>
               <a:t>2024/3/10</a:t>
             </a:fld>
@@ -2075,7 +2075,7 @@
           <p:cNvPr id="3" name="页脚占位符 2">
             <a:extLst>
               <a:ext uri="{FF2B5EF4-FFF2-40B4-BE49-F238E27FC236}">
-                <a16:creationId xmlns:a16="http://schemas.microsoft.com/office/drawing/2014/main" id="{F90F351B-A0C1-5339-4673-3DD2C15E544F}"/>
+                <a16:creationId xmlns:a16="http://schemas.microsoft.com/office/drawing/2014/main" id="{65CF37B7-1CDD-CEAB-B5E6-4B2075C8B18F}"/>
               </a:ext>
             </a:extLst>
           </p:cNvPr>
@@ -2100,7 +2100,7 @@
           <p:cNvPr id="4" name="灯片编号占位符 3">
             <a:extLst>
               <a:ext uri="{FF2B5EF4-FFF2-40B4-BE49-F238E27FC236}">
-                <a16:creationId xmlns:a16="http://schemas.microsoft.com/office/drawing/2014/main" id="{40AEF8D1-5548-81D6-9F33-ADA76E7F05D1}"/>
+                <a16:creationId xmlns:a16="http://schemas.microsoft.com/office/drawing/2014/main" id="{1E2258C1-BCBB-04C2-D3DE-3ABFFBE75ACF}"/>
               </a:ext>
             </a:extLst>
           </p:cNvPr>
@@ -2116,7 +2116,7 @@
           <a:bodyPr/>
           <a:lstStyle/>
           <a:p>
-            <a:fld id="{7E4C391F-BD97-4431-8D25-C7B3CA602AF5}" type="slidenum">
+            <a:fld id="{26A1CED6-9CD8-4B81-946F-19936539AA3B}" type="slidenum">
               <a:rPr lang="zh-CN" altLang="en-US" smtClean="0"/>
               <a:t>‹#›</a:t>
             </a:fld>
@@ -2127,7 +2127,7 @@
     </p:spTree>
     <p:extLst>
       <p:ext uri="{BB962C8B-B14F-4D97-AF65-F5344CB8AC3E}">
-        <p14:creationId xmlns:p14="http://schemas.microsoft.com/office/powerpoint/2010/main" val="695265967"/>
+        <p14:creationId xmlns:p14="http://schemas.microsoft.com/office/powerpoint/2010/main" val="558889405"/>
       </p:ext>
     </p:extLst>
   </p:cSld>
@@ -2159,7 +2159,7 @@
           <p:cNvPr id="2" name="标题 1">
             <a:extLst>
               <a:ext uri="{FF2B5EF4-FFF2-40B4-BE49-F238E27FC236}">
-                <a16:creationId xmlns:a16="http://schemas.microsoft.com/office/drawing/2014/main" id="{CA618709-0639-0980-5E5F-FC3565869DAD}"/>
+                <a16:creationId xmlns:a16="http://schemas.microsoft.com/office/drawing/2014/main" id="{5EBCF998-D6E2-C05A-2074-3AA07547ADD2}"/>
               </a:ext>
             </a:extLst>
           </p:cNvPr>
@@ -2196,7 +2196,7 @@
           <p:cNvPr id="3" name="内容占位符 2">
             <a:extLst>
               <a:ext uri="{FF2B5EF4-FFF2-40B4-BE49-F238E27FC236}">
-                <a16:creationId xmlns:a16="http://schemas.microsoft.com/office/drawing/2014/main" id="{A647AC66-49E3-6CED-08E3-13B33FF75ABF}"/>
+                <a16:creationId xmlns:a16="http://schemas.microsoft.com/office/drawing/2014/main" id="{98F8B6CD-AA5B-B7F2-5E2A-C68B6571A60A}"/>
               </a:ext>
             </a:extLst>
           </p:cNvPr>
@@ -2286,7 +2286,7 @@
           <p:cNvPr id="4" name="文本占位符 3">
             <a:extLst>
               <a:ext uri="{FF2B5EF4-FFF2-40B4-BE49-F238E27FC236}">
-                <a16:creationId xmlns:a16="http://schemas.microsoft.com/office/drawing/2014/main" id="{4339EB30-9F11-B1F7-9384-40CCB7A8BA15}"/>
+                <a16:creationId xmlns:a16="http://schemas.microsoft.com/office/drawing/2014/main" id="{9951E4C7-7D48-0E81-4291-95453445BF53}"/>
               </a:ext>
             </a:extLst>
           </p:cNvPr>
@@ -2357,7 +2357,7 @@
           <p:cNvPr id="5" name="日期占位符 4">
             <a:extLst>
               <a:ext uri="{FF2B5EF4-FFF2-40B4-BE49-F238E27FC236}">
-                <a16:creationId xmlns:a16="http://schemas.microsoft.com/office/drawing/2014/main" id="{445E520B-0A12-9D32-D9C8-46CC5FD076DC}"/>
+                <a16:creationId xmlns:a16="http://schemas.microsoft.com/office/drawing/2014/main" id="{98BE651E-AA56-C1C2-E718-86F5E0D60667}"/>
               </a:ext>
             </a:extLst>
           </p:cNvPr>
@@ -2373,7 +2373,7 @@
           <a:bodyPr/>
           <a:lstStyle/>
           <a:p>
-            <a:fld id="{9FC23888-DC0E-4ED8-B4BA-1917875D6F2C}" type="datetimeFigureOut">
+            <a:fld id="{2D7ED125-E23C-4B26-B491-64B1D8BAB0AC}" type="datetimeFigureOut">
               <a:rPr lang="zh-CN" altLang="en-US" smtClean="0"/>
               <a:t>2024/3/10</a:t>
             </a:fld>
@@ -2386,7 +2386,7 @@
           <p:cNvPr id="6" name="页脚占位符 5">
             <a:extLst>
               <a:ext uri="{FF2B5EF4-FFF2-40B4-BE49-F238E27FC236}">
-                <a16:creationId xmlns:a16="http://schemas.microsoft.com/office/drawing/2014/main" id="{09F752F8-6302-6FFF-EA9D-EB46988592D2}"/>
+                <a16:creationId xmlns:a16="http://schemas.microsoft.com/office/drawing/2014/main" id="{9A469894-FABC-DF08-D758-CDF7C61807FB}"/>
               </a:ext>
             </a:extLst>
           </p:cNvPr>
@@ -2411,7 +2411,7 @@
           <p:cNvPr id="7" name="灯片编号占位符 6">
             <a:extLst>
               <a:ext uri="{FF2B5EF4-FFF2-40B4-BE49-F238E27FC236}">
-                <a16:creationId xmlns:a16="http://schemas.microsoft.com/office/drawing/2014/main" id="{87DE352B-8DCB-503C-7F70-036116A4F044}"/>
+                <a16:creationId xmlns:a16="http://schemas.microsoft.com/office/drawing/2014/main" id="{62C94778-836C-A5E9-4790-DE1AF9CBFC31}"/>
               </a:ext>
             </a:extLst>
           </p:cNvPr>
@@ -2427,7 +2427,7 @@
           <a:bodyPr/>
           <a:lstStyle/>
           <a:p>
-            <a:fld id="{7E4C391F-BD97-4431-8D25-C7B3CA602AF5}" type="slidenum">
+            <a:fld id="{26A1CED6-9CD8-4B81-946F-19936539AA3B}" type="slidenum">
               <a:rPr lang="zh-CN" altLang="en-US" smtClean="0"/>
               <a:t>‹#›</a:t>
             </a:fld>
@@ -2438,7 +2438,7 @@
     </p:spTree>
     <p:extLst>
       <p:ext uri="{BB962C8B-B14F-4D97-AF65-F5344CB8AC3E}">
-        <p14:creationId xmlns:p14="http://schemas.microsoft.com/office/powerpoint/2010/main" val="2755879425"/>
+        <p14:creationId xmlns:p14="http://schemas.microsoft.com/office/powerpoint/2010/main" val="1709568374"/>
       </p:ext>
     </p:extLst>
   </p:cSld>
@@ -2470,7 +2470,7 @@
           <p:cNvPr id="2" name="标题 1">
             <a:extLst>
               <a:ext uri="{FF2B5EF4-FFF2-40B4-BE49-F238E27FC236}">
-                <a16:creationId xmlns:a16="http://schemas.microsoft.com/office/drawing/2014/main" id="{E8A505C7-C5C6-936F-0740-B9FD94F6A8B6}"/>
+                <a16:creationId xmlns:a16="http://schemas.microsoft.com/office/drawing/2014/main" id="{A72C7A92-ED29-2C48-CD97-A47FBBE2FD6D}"/>
               </a:ext>
             </a:extLst>
           </p:cNvPr>
@@ -2507,7 +2507,7 @@
           <p:cNvPr id="3" name="图片占位符 2">
             <a:extLst>
               <a:ext uri="{FF2B5EF4-FFF2-40B4-BE49-F238E27FC236}">
-                <a16:creationId xmlns:a16="http://schemas.microsoft.com/office/drawing/2014/main" id="{F188D0C7-CE8C-3871-06A5-7445AC83C5BF}"/>
+                <a16:creationId xmlns:a16="http://schemas.microsoft.com/office/drawing/2014/main" id="{4D9F6D6F-7117-F6EE-08AF-4CABF44E08F1}"/>
               </a:ext>
             </a:extLst>
           </p:cNvPr>
@@ -2574,7 +2574,7 @@
           <p:cNvPr id="4" name="文本占位符 3">
             <a:extLst>
               <a:ext uri="{FF2B5EF4-FFF2-40B4-BE49-F238E27FC236}">
-                <a16:creationId xmlns:a16="http://schemas.microsoft.com/office/drawing/2014/main" id="{77278817-45E0-C005-90C5-4C8142894B30}"/>
+                <a16:creationId xmlns:a16="http://schemas.microsoft.com/office/drawing/2014/main" id="{395F133A-BC3C-08E5-EF79-ADAF18485525}"/>
               </a:ext>
             </a:extLst>
           </p:cNvPr>
@@ -2645,7 +2645,7 @@
           <p:cNvPr id="5" name="日期占位符 4">
             <a:extLst>
               <a:ext uri="{FF2B5EF4-FFF2-40B4-BE49-F238E27FC236}">
-                <a16:creationId xmlns:a16="http://schemas.microsoft.com/office/drawing/2014/main" id="{DB1A38BF-1FD0-5CBB-1E0B-2712BF6748A7}"/>
+                <a16:creationId xmlns:a16="http://schemas.microsoft.com/office/drawing/2014/main" id="{28E7954F-863B-9393-609D-A5E10D2B76D5}"/>
               </a:ext>
             </a:extLst>
           </p:cNvPr>
@@ -2661,7 +2661,7 @@
           <a:bodyPr/>
           <a:lstStyle/>
           <a:p>
-            <a:fld id="{9FC23888-DC0E-4ED8-B4BA-1917875D6F2C}" type="datetimeFigureOut">
+            <a:fld id="{2D7ED125-E23C-4B26-B491-64B1D8BAB0AC}" type="datetimeFigureOut">
               <a:rPr lang="zh-CN" altLang="en-US" smtClean="0"/>
               <a:t>2024/3/10</a:t>
             </a:fld>
@@ -2674,7 +2674,7 @@
           <p:cNvPr id="6" name="页脚占位符 5">
             <a:extLst>
               <a:ext uri="{FF2B5EF4-FFF2-40B4-BE49-F238E27FC236}">
-                <a16:creationId xmlns:a16="http://schemas.microsoft.com/office/drawing/2014/main" id="{124FC375-7D39-DF76-966D-3B51FDBC1696}"/>
+                <a16:creationId xmlns:a16="http://schemas.microsoft.com/office/drawing/2014/main" id="{D3C41E11-D5C6-ED08-8840-B07F0064D3D9}"/>
               </a:ext>
             </a:extLst>
           </p:cNvPr>
@@ -2699,7 +2699,7 @@
           <p:cNvPr id="7" name="灯片编号占位符 6">
             <a:extLst>
               <a:ext uri="{FF2B5EF4-FFF2-40B4-BE49-F238E27FC236}">
-                <a16:creationId xmlns:a16="http://schemas.microsoft.com/office/drawing/2014/main" id="{F6DA0E65-AF5E-3F7F-1F36-0024FAF509A9}"/>
+                <a16:creationId xmlns:a16="http://schemas.microsoft.com/office/drawing/2014/main" id="{FE6C78B5-9AA4-D264-76CA-96A87161EFE5}"/>
               </a:ext>
             </a:extLst>
           </p:cNvPr>
@@ -2715,7 +2715,7 @@
           <a:bodyPr/>
           <a:lstStyle/>
           <a:p>
-            <a:fld id="{7E4C391F-BD97-4431-8D25-C7B3CA602AF5}" type="slidenum">
+            <a:fld id="{26A1CED6-9CD8-4B81-946F-19936539AA3B}" type="slidenum">
               <a:rPr lang="zh-CN" altLang="en-US" smtClean="0"/>
               <a:t>‹#›</a:t>
             </a:fld>
@@ -2726,7 +2726,7 @@
     </p:spTree>
     <p:extLst>
       <p:ext uri="{BB962C8B-B14F-4D97-AF65-F5344CB8AC3E}">
-        <p14:creationId xmlns:p14="http://schemas.microsoft.com/office/powerpoint/2010/main" val="3555552655"/>
+        <p14:creationId xmlns:p14="http://schemas.microsoft.com/office/powerpoint/2010/main" val="3219362925"/>
       </p:ext>
     </p:extLst>
   </p:cSld>
@@ -2763,7 +2763,7 @@
           <p:cNvPr id="2" name="标题占位符 1">
             <a:extLst>
               <a:ext uri="{FF2B5EF4-FFF2-40B4-BE49-F238E27FC236}">
-                <a16:creationId xmlns:a16="http://schemas.microsoft.com/office/drawing/2014/main" id="{A8291EB6-6FD0-01E6-0FD5-6824A0431EBF}"/>
+                <a16:creationId xmlns:a16="http://schemas.microsoft.com/office/drawing/2014/main" id="{9159DA18-2456-E5A9-ADC4-0CC3C917CA8D}"/>
               </a:ext>
             </a:extLst>
           </p:cNvPr>
@@ -2801,7 +2801,7 @@
           <p:cNvPr id="3" name="文本占位符 2">
             <a:extLst>
               <a:ext uri="{FF2B5EF4-FFF2-40B4-BE49-F238E27FC236}">
-                <a16:creationId xmlns:a16="http://schemas.microsoft.com/office/drawing/2014/main" id="{9BF7F26D-965D-495A-32EE-BB8A51A5700C}"/>
+                <a16:creationId xmlns:a16="http://schemas.microsoft.com/office/drawing/2014/main" id="{59886B70-9EC4-EC0A-7110-6C38C79BA491}"/>
               </a:ext>
             </a:extLst>
           </p:cNvPr>
@@ -2868,7 +2868,7 @@
           <p:cNvPr id="4" name="日期占位符 3">
             <a:extLst>
               <a:ext uri="{FF2B5EF4-FFF2-40B4-BE49-F238E27FC236}">
-                <a16:creationId xmlns:a16="http://schemas.microsoft.com/office/drawing/2014/main" id="{7E81A76D-1EFE-C3A4-1723-0050960B9EDE}"/>
+                <a16:creationId xmlns:a16="http://schemas.microsoft.com/office/drawing/2014/main" id="{C917933C-797E-95D5-EE90-E49FC3D8EF35}"/>
               </a:ext>
             </a:extLst>
           </p:cNvPr>
@@ -2902,7 +2902,7 @@
             </a:lvl1pPr>
           </a:lstStyle>
           <a:p>
-            <a:fld id="{9FC23888-DC0E-4ED8-B4BA-1917875D6F2C}" type="datetimeFigureOut">
+            <a:fld id="{2D7ED125-E23C-4B26-B491-64B1D8BAB0AC}" type="datetimeFigureOut">
               <a:rPr lang="zh-CN" altLang="en-US" smtClean="0"/>
               <a:t>2024/3/10</a:t>
             </a:fld>
@@ -2915,7 +2915,7 @@
           <p:cNvPr id="5" name="页脚占位符 4">
             <a:extLst>
               <a:ext uri="{FF2B5EF4-FFF2-40B4-BE49-F238E27FC236}">
-                <a16:creationId xmlns:a16="http://schemas.microsoft.com/office/drawing/2014/main" id="{1DE0890E-F37E-9C76-16C4-B721AB9EB2AC}"/>
+                <a16:creationId xmlns:a16="http://schemas.microsoft.com/office/drawing/2014/main" id="{DA717C30-84FA-9D03-0FF3-1C4419000E26}"/>
               </a:ext>
             </a:extLst>
           </p:cNvPr>
@@ -2958,7 +2958,7 @@
           <p:cNvPr id="6" name="灯片编号占位符 5">
             <a:extLst>
               <a:ext uri="{FF2B5EF4-FFF2-40B4-BE49-F238E27FC236}">
-                <a16:creationId xmlns:a16="http://schemas.microsoft.com/office/drawing/2014/main" id="{9D3848C2-A588-9608-A047-566BADDB2730}"/>
+                <a16:creationId xmlns:a16="http://schemas.microsoft.com/office/drawing/2014/main" id="{F0ECEBD8-78A0-A4FE-4C9B-C097F92F1119}"/>
               </a:ext>
             </a:extLst>
           </p:cNvPr>
@@ -2992,7 +2992,7 @@
             </a:lvl1pPr>
           </a:lstStyle>
           <a:p>
-            <a:fld id="{7E4C391F-BD97-4431-8D25-C7B3CA602AF5}" type="slidenum">
+            <a:fld id="{26A1CED6-9CD8-4B81-946F-19936539AA3B}" type="slidenum">
               <a:rPr lang="zh-CN" altLang="en-US" smtClean="0"/>
               <a:t>‹#›</a:t>
             </a:fld>
@@ -3003,7 +3003,7 @@
     </p:spTree>
     <p:extLst>
       <p:ext uri="{BB962C8B-B14F-4D97-AF65-F5344CB8AC3E}">
-        <p14:creationId xmlns:p14="http://schemas.microsoft.com/office/powerpoint/2010/main" val="2956924131"/>
+        <p14:creationId xmlns:p14="http://schemas.microsoft.com/office/powerpoint/2010/main" val="50113415"/>
       </p:ext>
     </p:extLst>
   </p:cSld>
@@ -3323,7 +3323,7 @@
       </p:grpSpPr>
       <p:pic>
         <p:nvPicPr>
-          <p:cNvPr id="710658" name="Picture 2" descr="693"/>
+          <p:cNvPr id="711682" name="Picture 2" descr="694"/>
           <p:cNvPicPr>
             <a:picLocks noChangeAspect="1" noChangeArrowheads="1"/>
           </p:cNvPicPr>
@@ -3375,158 +3375,11 @@
           </a:extLst>
         </p:spPr>
       </p:pic>
-      <p:pic>
-        <p:nvPicPr>
-          <p:cNvPr id="711683" name="Picture 3" descr="693-2"/>
-          <p:cNvPicPr>
-            <a:picLocks noChangeAspect="1" noChangeArrowheads="1"/>
-          </p:cNvPicPr>
-          <p:nvPr/>
-        </p:nvPicPr>
-        <p:blipFill>
-          <a:blip r:embed="rId3">
-            <a:extLst>
-              <a:ext uri="{28A0092B-C50C-407E-A947-70E740481C1C}">
-                <a14:useLocalDpi xmlns:a14="http://schemas.microsoft.com/office/drawing/2010/main" val="0"/>
-              </a:ext>
-            </a:extLst>
-          </a:blip>
-          <a:srcRect/>
-          <a:stretch>
-            <a:fillRect/>
-          </a:stretch>
-        </p:blipFill>
-        <p:spPr bwMode="auto">
-          <a:xfrm>
-            <a:off x="1560513" y="0"/>
-            <a:ext cx="9144000" cy="6858000"/>
-          </a:xfrm>
-          <a:prstGeom prst="rect">
-            <a:avLst/>
-          </a:prstGeom>
-          <a:noFill/>
-          <a:ln>
-            <a:noFill/>
-          </a:ln>
-          <a:effectLst/>
-          <a:extLst>
-            <a:ext uri="{909E8E84-426E-40DD-AFC4-6F175D3DCCD1}">
-              <a14:hiddenFill xmlns:a14="http://schemas.microsoft.com/office/drawing/2010/main">
-                <a:solidFill>
-                  <a:srgbClr val="FFFFFF"/>
-                </a:solidFill>
-              </a14:hiddenFill>
-            </a:ext>
-            <a:ext uri="{91240B29-F687-4F45-9708-019B960494DF}">
-              <a14:hiddenLine xmlns:a14="http://schemas.microsoft.com/office/drawing/2010/main" w="9525">
-                <a:solidFill>
-                  <a:srgbClr val="000000"/>
-                </a:solidFill>
-                <a:miter lim="800000"/>
-                <a:headEnd/>
-                <a:tailEnd/>
-              </a14:hiddenLine>
-            </a:ext>
-            <a:ext uri="{AF507438-7753-43E0-B8FC-AC1667EBCBE1}">
-              <a14:hiddenEffects xmlns:a14="http://schemas.microsoft.com/office/drawing/2010/main">
-                <a:effectLst>
-                  <a:outerShdw dist="35921" dir="2700000" algn="ctr" rotWithShape="0">
-                    <a:srgbClr val="808080"/>
-                  </a:outerShdw>
-                </a:effectLst>
-              </a14:hiddenEffects>
-            </a:ext>
-          </a:extLst>
-        </p:spPr>
-      </p:pic>
     </p:spTree>
   </p:cSld>
   <p:clrMapOvr>
     <a:masterClrMapping/>
   </p:clrMapOvr>
-  <p:timing>
-    <p:tnLst>
-      <p:par>
-        <p:cTn id="1" dur="indefinite" restart="never" nodeType="tmRoot">
-          <p:childTnLst>
-            <p:seq concurrent="1" nextAc="seek">
-              <p:cTn id="2" dur="indefinite" nodeType="mainSeq">
-                <p:childTnLst>
-                  <p:par>
-                    <p:cTn id="3" fill="hold" nodeType="clickPar">
-                      <p:stCondLst>
-                        <p:cond delay="indefinite"/>
-                      </p:stCondLst>
-                      <p:childTnLst>
-                        <p:par>
-                          <p:cTn id="4" fill="hold" nodeType="withGroup">
-                            <p:stCondLst>
-                              <p:cond delay="0"/>
-                            </p:stCondLst>
-                            <p:childTnLst>
-                              <p:par>
-                                <p:cTn id="5" presetID="10" presetClass="entr" presetSubtype="0" fill="hold" nodeType="clickEffect">
-                                  <p:stCondLst>
-                                    <p:cond delay="0"/>
-                                  </p:stCondLst>
-                                  <p:childTnLst>
-                                    <p:set>
-                                      <p:cBhvr>
-                                        <p:cTn id="6" dur="1" fill="hold">
-                                          <p:stCondLst>
-                                            <p:cond delay="0"/>
-                                          </p:stCondLst>
-                                        </p:cTn>
-                                        <p:tgtEl>
-                                          <p:spTgt spid="711683"/>
-                                        </p:tgtEl>
-                                        <p:attrNameLst>
-                                          <p:attrName>style.visibility</p:attrName>
-                                        </p:attrNameLst>
-                                      </p:cBhvr>
-                                      <p:to>
-                                        <p:strVal val="visible"/>
-                                      </p:to>
-                                    </p:set>
-                                    <p:animEffect transition="in" filter="fade">
-                                      <p:cBhvr>
-                                        <p:cTn id="7" dur="500"/>
-                                        <p:tgtEl>
-                                          <p:spTgt spid="711683"/>
-                                        </p:tgtEl>
-                                      </p:cBhvr>
-                                    </p:animEffect>
-                                  </p:childTnLst>
-                                </p:cTn>
-                              </p:par>
-                            </p:childTnLst>
-                          </p:cTn>
-                        </p:par>
-                      </p:childTnLst>
-                    </p:cTn>
-                  </p:par>
-                </p:childTnLst>
-              </p:cTn>
-              <p:prevCondLst>
-                <p:cond evt="onPrev" delay="0">
-                  <p:tgtEl>
-                    <p:sldTgt/>
-                  </p:tgtEl>
-                </p:cond>
-              </p:prevCondLst>
-              <p:nextCondLst>
-                <p:cond evt="onNext" delay="0">
-                  <p:tgtEl>
-                    <p:sldTgt/>
-                  </p:tgtEl>
-                </p:cond>
-              </p:nextCondLst>
-            </p:seq>
-          </p:childTnLst>
-        </p:cTn>
-      </p:par>
-    </p:tnLst>
-  </p:timing>
 </p:sld>
 </file>
 
